--- a/Projekt/Presentation/final_presentation.pptx
+++ b/Projekt/Presentation/final_presentation.pptx
@@ -8,12 +8,13 @@
     <p:sldId id="256" r:id="rId2"/>
     <p:sldId id="257" r:id="rId3"/>
     <p:sldId id="258" r:id="rId4"/>
-    <p:sldId id="259" r:id="rId5"/>
-    <p:sldId id="260" r:id="rId6"/>
+    <p:sldId id="260" r:id="rId5"/>
+    <p:sldId id="259" r:id="rId6"/>
     <p:sldId id="261" r:id="rId7"/>
     <p:sldId id="264" r:id="rId8"/>
     <p:sldId id="265" r:id="rId9"/>
-    <p:sldId id="263" r:id="rId10"/>
+    <p:sldId id="266" r:id="rId10"/>
+    <p:sldId id="263" r:id="rId11"/>
   </p:sldIdLst>
   <p:sldSz cx="12192000" cy="6858000"/>
   <p:notesSz cx="6858000" cy="9144000"/>
@@ -251,7 +252,7 @@
           <a:p>
             <a:fld id="{C5DFF081-274E-7D4D-8BE7-C00B2941A71C}" type="datetimeFigureOut">
               <a:rPr lang="en-US" smtClean="0"/>
-              <a:t>7/10/16</a:t>
+              <a:t>7/11/16</a:t>
             </a:fld>
             <a:endParaRPr lang="en-US"/>
           </a:p>
@@ -421,7 +422,7 @@
           <a:p>
             <a:fld id="{C5DFF081-274E-7D4D-8BE7-C00B2941A71C}" type="datetimeFigureOut">
               <a:rPr lang="en-US" smtClean="0"/>
-              <a:t>7/10/16</a:t>
+              <a:t>7/11/16</a:t>
             </a:fld>
             <a:endParaRPr lang="en-US"/>
           </a:p>
@@ -601,7 +602,7 @@
           <a:p>
             <a:fld id="{C5DFF081-274E-7D4D-8BE7-C00B2941A71C}" type="datetimeFigureOut">
               <a:rPr lang="en-US" smtClean="0"/>
-              <a:t>7/10/16</a:t>
+              <a:t>7/11/16</a:t>
             </a:fld>
             <a:endParaRPr lang="en-US"/>
           </a:p>
@@ -771,7 +772,7 @@
           <a:p>
             <a:fld id="{C5DFF081-274E-7D4D-8BE7-C00B2941A71C}" type="datetimeFigureOut">
               <a:rPr lang="en-US" smtClean="0"/>
-              <a:t>7/10/16</a:t>
+              <a:t>7/11/16</a:t>
             </a:fld>
             <a:endParaRPr lang="en-US"/>
           </a:p>
@@ -1017,7 +1018,7 @@
           <a:p>
             <a:fld id="{C5DFF081-274E-7D4D-8BE7-C00B2941A71C}" type="datetimeFigureOut">
               <a:rPr lang="en-US" smtClean="0"/>
-              <a:t>7/10/16</a:t>
+              <a:t>7/11/16</a:t>
             </a:fld>
             <a:endParaRPr lang="en-US"/>
           </a:p>
@@ -1249,7 +1250,7 @@
           <a:p>
             <a:fld id="{C5DFF081-274E-7D4D-8BE7-C00B2941A71C}" type="datetimeFigureOut">
               <a:rPr lang="en-US" smtClean="0"/>
-              <a:t>7/10/16</a:t>
+              <a:t>7/11/16</a:t>
             </a:fld>
             <a:endParaRPr lang="en-US"/>
           </a:p>
@@ -1616,7 +1617,7 @@
           <a:p>
             <a:fld id="{C5DFF081-274E-7D4D-8BE7-C00B2941A71C}" type="datetimeFigureOut">
               <a:rPr lang="en-US" smtClean="0"/>
-              <a:t>7/10/16</a:t>
+              <a:t>7/11/16</a:t>
             </a:fld>
             <a:endParaRPr lang="en-US"/>
           </a:p>
@@ -1734,7 +1735,7 @@
           <a:p>
             <a:fld id="{C5DFF081-274E-7D4D-8BE7-C00B2941A71C}" type="datetimeFigureOut">
               <a:rPr lang="en-US" smtClean="0"/>
-              <a:t>7/10/16</a:t>
+              <a:t>7/11/16</a:t>
             </a:fld>
             <a:endParaRPr lang="en-US"/>
           </a:p>
@@ -1829,7 +1830,7 @@
           <a:p>
             <a:fld id="{C5DFF081-274E-7D4D-8BE7-C00B2941A71C}" type="datetimeFigureOut">
               <a:rPr lang="en-US" smtClean="0"/>
-              <a:t>7/10/16</a:t>
+              <a:t>7/11/16</a:t>
             </a:fld>
             <a:endParaRPr lang="en-US"/>
           </a:p>
@@ -2106,7 +2107,7 @@
           <a:p>
             <a:fld id="{C5DFF081-274E-7D4D-8BE7-C00B2941A71C}" type="datetimeFigureOut">
               <a:rPr lang="en-US" smtClean="0"/>
-              <a:t>7/10/16</a:t>
+              <a:t>7/11/16</a:t>
             </a:fld>
             <a:endParaRPr lang="en-US"/>
           </a:p>
@@ -2359,7 +2360,7 @@
           <a:p>
             <a:fld id="{C5DFF081-274E-7D4D-8BE7-C00B2941A71C}" type="datetimeFigureOut">
               <a:rPr lang="en-US" smtClean="0"/>
-              <a:t>7/10/16</a:t>
+              <a:t>7/11/16</a:t>
             </a:fld>
             <a:endParaRPr lang="en-US"/>
           </a:p>
@@ -2572,7 +2573,7 @@
           <a:p>
             <a:fld id="{C5DFF081-274E-7D4D-8BE7-C00B2941A71C}" type="datetimeFigureOut">
               <a:rPr lang="en-US" smtClean="0"/>
-              <a:t>7/10/16</a:t>
+              <a:t>7/11/16</a:t>
             </a:fld>
             <a:endParaRPr lang="en-US"/>
           </a:p>
@@ -3032,6 +3033,78 @@
 </p:sld>
 </file>
 
+<file path=ppt/slides/slide10.xml><?xml version="1.0" encoding="utf-8"?>
+<p:sld xmlns:a="http://schemas.openxmlformats.org/drawingml/2006/main" xmlns:r="http://schemas.openxmlformats.org/officeDocument/2006/relationships" xmlns:p="http://schemas.openxmlformats.org/presentationml/2006/main">
+  <p:cSld>
+    <p:spTree>
+      <p:nvGrpSpPr>
+        <p:cNvPr id="1" name=""/>
+        <p:cNvGrpSpPr/>
+        <p:nvPr/>
+      </p:nvGrpSpPr>
+      <p:grpSpPr>
+        <a:xfrm>
+          <a:off x="0" y="0"/>
+          <a:ext cx="0" cy="0"/>
+          <a:chOff x="0" y="0"/>
+          <a:chExt cx="0" cy="0"/>
+        </a:xfrm>
+      </p:grpSpPr>
+      <p:sp>
+        <p:nvSpPr>
+          <p:cNvPr id="4" name="Title 3"/>
+          <p:cNvSpPr>
+            <a:spLocks noGrp="1"/>
+          </p:cNvSpPr>
+          <p:nvPr>
+            <p:ph type="ctrTitle"/>
+          </p:nvPr>
+        </p:nvSpPr>
+        <p:spPr/>
+        <p:txBody>
+          <a:bodyPr/>
+          <a:lstStyle/>
+          <a:p>
+            <a:r>
+              <a:rPr lang="de-DE" dirty="0" smtClean="0"/>
+              <a:t>Video &amp; Demo</a:t>
+            </a:r>
+            <a:endParaRPr lang="de-DE" dirty="0"/>
+          </a:p>
+        </p:txBody>
+      </p:sp>
+      <p:sp>
+        <p:nvSpPr>
+          <p:cNvPr id="5" name="Subtitle 4"/>
+          <p:cNvSpPr>
+            <a:spLocks noGrp="1"/>
+          </p:cNvSpPr>
+          <p:nvPr>
+            <p:ph type="subTitle" idx="1"/>
+          </p:nvPr>
+        </p:nvSpPr>
+        <p:spPr/>
+        <p:txBody>
+          <a:bodyPr/>
+          <a:lstStyle/>
+          <a:p>
+            <a:endParaRPr lang="de-DE"/>
+          </a:p>
+        </p:txBody>
+      </p:sp>
+    </p:spTree>
+    <p:extLst>
+      <p:ext uri="{BB962C8B-B14F-4D97-AF65-F5344CB8AC3E}">
+        <p14:creationId xmlns:p14="http://schemas.microsoft.com/office/powerpoint/2010/main" val="152766848"/>
+      </p:ext>
+    </p:extLst>
+  </p:cSld>
+  <p:clrMapOvr>
+    <a:masterClrMapping/>
+  </p:clrMapOvr>
+</p:sld>
+</file>
+
 <file path=ppt/slides/slide2.xml><?xml version="1.0" encoding="utf-8"?>
 <p:sld xmlns:a="http://schemas.openxmlformats.org/drawingml/2006/main" xmlns:r="http://schemas.openxmlformats.org/officeDocument/2006/relationships" xmlns:p="http://schemas.openxmlformats.org/presentationml/2006/main">
   <p:cSld>
@@ -3395,7 +3468,15 @@
           <a:p>
             <a:r>
               <a:rPr lang="en-US" dirty="0" smtClean="0"/>
-              <a:t>Reinforcement Learning - Thomas</a:t>
+              <a:t>Bio signals (Heartrate), </a:t>
+            </a:r>
+            <a:r>
+              <a:rPr lang="en-US" dirty="0" err="1" smtClean="0"/>
+              <a:t>Somaestethics</a:t>
+            </a:r>
+            <a:r>
+              <a:rPr lang="en-US" dirty="0" smtClean="0"/>
+              <a:t>?</a:t>
             </a:r>
             <a:endParaRPr lang="en-US" dirty="0"/>
           </a:p>
@@ -3416,14 +3497,14 @@
           <a:bodyPr/>
           <a:lstStyle/>
           <a:p>
-            <a:endParaRPr lang="en-US"/>
+            <a:endParaRPr lang="en-US" dirty="0"/>
           </a:p>
         </p:txBody>
       </p:sp>
     </p:spTree>
     <p:extLst>
       <p:ext uri="{BB962C8B-B14F-4D97-AF65-F5344CB8AC3E}">
-        <p14:creationId xmlns:p14="http://schemas.microsoft.com/office/powerpoint/2010/main" val="325999202"/>
+        <p14:creationId xmlns:p14="http://schemas.microsoft.com/office/powerpoint/2010/main" val="1365417721"/>
       </p:ext>
     </p:extLst>
   </p:cSld>
@@ -3467,15 +3548,7 @@
           <a:p>
             <a:r>
               <a:rPr lang="en-US" dirty="0" smtClean="0"/>
-              <a:t>Bio signals (Heartrate), </a:t>
-            </a:r>
-            <a:r>
-              <a:rPr lang="en-US" dirty="0" err="1" smtClean="0"/>
-              <a:t>Somaestethics</a:t>
-            </a:r>
-            <a:r>
-              <a:rPr lang="en-US" dirty="0" smtClean="0"/>
-              <a:t>?</a:t>
+              <a:t>Reinforcement Learning - Thomas</a:t>
             </a:r>
             <a:endParaRPr lang="en-US" dirty="0"/>
           </a:p>
@@ -3496,14 +3569,14 @@
           <a:bodyPr/>
           <a:lstStyle/>
           <a:p>
-            <a:endParaRPr lang="en-US" dirty="0"/>
+            <a:endParaRPr lang="en-US"/>
           </a:p>
         </p:txBody>
       </p:sp>
     </p:spTree>
     <p:extLst>
       <p:ext uri="{BB962C8B-B14F-4D97-AF65-F5344CB8AC3E}">
-        <p14:creationId xmlns:p14="http://schemas.microsoft.com/office/powerpoint/2010/main" val="1365417721"/>
+        <p14:creationId xmlns:p14="http://schemas.microsoft.com/office/powerpoint/2010/main" val="325999202"/>
       </p:ext>
     </p:extLst>
   </p:cSld>
@@ -3742,7 +3815,7 @@
           <a:bodyPr/>
           <a:lstStyle/>
           <a:p>
-            <a:endParaRPr lang="de-DE"/>
+            <a:endParaRPr lang="de-DE" dirty="0"/>
           </a:p>
         </p:txBody>
       </p:sp>
@@ -3778,12 +3851,12 @@
       </p:grpSpPr>
       <p:sp>
         <p:nvSpPr>
-          <p:cNvPr id="4" name="Title 3"/>
-          <p:cNvSpPr>
-            <a:spLocks noGrp="1"/>
-          </p:cNvSpPr>
-          <p:nvPr>
-            <p:ph type="ctrTitle"/>
+          <p:cNvPr id="2" name="Title 1"/>
+          <p:cNvSpPr>
+            <a:spLocks noGrp="1"/>
+          </p:cNvSpPr>
+          <p:nvPr>
+            <p:ph type="title"/>
           </p:nvPr>
         </p:nvSpPr>
         <p:spPr/>
@@ -3793,7 +3866,7 @@
           <a:p>
             <a:r>
               <a:rPr lang="de-DE" dirty="0" smtClean="0"/>
-              <a:t>Video &amp; Demo</a:t>
+              <a:t>Anwendungsmöglichkeiten</a:t>
             </a:r>
             <a:endParaRPr lang="de-DE" dirty="0"/>
           </a:p>
@@ -3801,27 +3874,49 @@
       </p:sp>
       <p:sp>
         <p:nvSpPr>
-          <p:cNvPr id="5" name="Subtitle 4"/>
-          <p:cNvSpPr>
-            <a:spLocks noGrp="1"/>
-          </p:cNvSpPr>
-          <p:nvPr>
-            <p:ph type="subTitle" idx="1"/>
-          </p:nvPr>
-        </p:nvSpPr>
-        <p:spPr/>
-        <p:txBody>
-          <a:bodyPr/>
-          <a:lstStyle/>
-          <a:p>
-            <a:endParaRPr lang="de-DE"/>
+          <p:cNvPr id="3" name="Content Placeholder 2"/>
+          <p:cNvSpPr>
+            <a:spLocks noGrp="1"/>
+          </p:cNvSpPr>
+          <p:nvPr>
+            <p:ph idx="1"/>
+          </p:nvPr>
+        </p:nvSpPr>
+        <p:spPr/>
+        <p:txBody>
+          <a:bodyPr/>
+          <a:lstStyle/>
+          <a:p>
+            <a:r>
+              <a:rPr lang="de-DE" dirty="0" smtClean="0"/>
+              <a:t>Alte Leute</a:t>
+            </a:r>
+          </a:p>
+          <a:p>
+            <a:r>
+              <a:rPr lang="de-DE" dirty="0" smtClean="0"/>
+              <a:t>Meditation, Klangkissen</a:t>
+            </a:r>
+          </a:p>
+          <a:p>
+            <a:r>
+              <a:rPr lang="de-DE" dirty="0" smtClean="0"/>
+              <a:t>Kleine Kinder</a:t>
+            </a:r>
+          </a:p>
+          <a:p>
+            <a:r>
+              <a:rPr lang="de-DE" dirty="0" smtClean="0"/>
+              <a:t>Schlaganfall</a:t>
+            </a:r>
+            <a:endParaRPr lang="de-DE" dirty="0"/>
           </a:p>
         </p:txBody>
       </p:sp>
     </p:spTree>
     <p:extLst>
       <p:ext uri="{BB962C8B-B14F-4D97-AF65-F5344CB8AC3E}">
-        <p14:creationId xmlns:p14="http://schemas.microsoft.com/office/powerpoint/2010/main" val="152766848"/>
+        <p14:creationId xmlns:p14="http://schemas.microsoft.com/office/powerpoint/2010/main" val="2027388676"/>
       </p:ext>
     </p:extLst>
   </p:cSld>
